--- a/lecture-slides_upload/lecture/08_Statistical Methods_Comparing Two Groups.pptx
+++ b/lecture-slides_upload/lecture/08_Statistical Methods_Comparing Two Groups.pptx
@@ -5,7 +5,7 @@
     <p:sldMasterId id="2147483648" r:id="rId1"/>
   </p:sldMasterIdLst>
   <p:notesMasterIdLst>
-    <p:notesMasterId r:id="rId12"/>
+    <p:notesMasterId r:id="rId15"/>
   </p:notesMasterIdLst>
   <p:sldIdLst>
     <p:sldId id="257" r:id="rId2"/>
@@ -18,6 +18,9 @@
     <p:sldId id="341" r:id="rId9"/>
     <p:sldId id="292" r:id="rId10"/>
     <p:sldId id="261" r:id="rId11"/>
+    <p:sldId id="343" r:id="rId12"/>
+    <p:sldId id="344" r:id="rId13"/>
+    <p:sldId id="342" r:id="rId14"/>
   </p:sldIdLst>
   <p:sldSz cx="12192000" cy="6858000"/>
   <p:notesSz cx="6858000" cy="9144000"/>
@@ -218,7 +221,7 @@
           <a:p>
             <a:fld id="{6A4B1ABF-BAF2-0E4B-88A8-8F2BBF0074AC}" type="datetimeFigureOut">
               <a:rPr lang="en-US" smtClean="0"/>
-              <a:t>10/19/21</a:t>
+              <a:t>3/7/24</a:t>
             </a:fld>
             <a:endParaRPr lang="en-US"/>
           </a:p>
@@ -1098,7 +1101,7 @@
           <a:p>
             <a:fld id="{BA763BF8-AC66-E249-9CE8-8353EEB16B82}" type="datetimeFigureOut">
               <a:rPr lang="en-US" smtClean="0"/>
-              <a:t>10/19/21</a:t>
+              <a:t>3/7/24</a:t>
             </a:fld>
             <a:endParaRPr lang="en-US"/>
           </a:p>
@@ -1300,7 +1303,7 @@
           <a:p>
             <a:fld id="{BA763BF8-AC66-E249-9CE8-8353EEB16B82}" type="datetimeFigureOut">
               <a:rPr lang="en-US" smtClean="0"/>
-              <a:t>10/19/21</a:t>
+              <a:t>3/7/24</a:t>
             </a:fld>
             <a:endParaRPr lang="en-US"/>
           </a:p>
@@ -1508,7 +1511,7 @@
           <a:p>
             <a:fld id="{BA763BF8-AC66-E249-9CE8-8353EEB16B82}" type="datetimeFigureOut">
               <a:rPr lang="en-US" smtClean="0"/>
-              <a:t>10/19/21</a:t>
+              <a:t>3/7/24</a:t>
             </a:fld>
             <a:endParaRPr lang="en-US"/>
           </a:p>
@@ -1710,7 +1713,7 @@
           <a:p>
             <a:fld id="{BA763BF8-AC66-E249-9CE8-8353EEB16B82}" type="datetimeFigureOut">
               <a:rPr lang="en-US" smtClean="0"/>
-              <a:t>10/19/21</a:t>
+              <a:t>3/7/24</a:t>
             </a:fld>
             <a:endParaRPr lang="en-US"/>
           </a:p>
@@ -1985,7 +1988,7 @@
           <a:p>
             <a:fld id="{BA763BF8-AC66-E249-9CE8-8353EEB16B82}" type="datetimeFigureOut">
               <a:rPr lang="en-US" smtClean="0"/>
-              <a:t>10/19/21</a:t>
+              <a:t>3/7/24</a:t>
             </a:fld>
             <a:endParaRPr lang="en-US"/>
           </a:p>
@@ -2254,7 +2257,7 @@
           <a:p>
             <a:fld id="{BA763BF8-AC66-E249-9CE8-8353EEB16B82}" type="datetimeFigureOut">
               <a:rPr lang="en-US" smtClean="0"/>
-              <a:t>10/19/21</a:t>
+              <a:t>3/7/24</a:t>
             </a:fld>
             <a:endParaRPr lang="en-US"/>
           </a:p>
@@ -2670,7 +2673,7 @@
           <a:p>
             <a:fld id="{BA763BF8-AC66-E249-9CE8-8353EEB16B82}" type="datetimeFigureOut">
               <a:rPr lang="en-US" smtClean="0"/>
-              <a:t>10/19/21</a:t>
+              <a:t>3/7/24</a:t>
             </a:fld>
             <a:endParaRPr lang="en-US"/>
           </a:p>
@@ -2815,7 +2818,7 @@
           <a:p>
             <a:fld id="{BA763BF8-AC66-E249-9CE8-8353EEB16B82}" type="datetimeFigureOut">
               <a:rPr lang="en-US" smtClean="0"/>
-              <a:t>10/19/21</a:t>
+              <a:t>3/7/24</a:t>
             </a:fld>
             <a:endParaRPr lang="en-US"/>
           </a:p>
@@ -2928,7 +2931,7 @@
           <a:p>
             <a:fld id="{BA763BF8-AC66-E249-9CE8-8353EEB16B82}" type="datetimeFigureOut">
               <a:rPr lang="en-US" smtClean="0"/>
-              <a:t>10/19/21</a:t>
+              <a:t>3/7/24</a:t>
             </a:fld>
             <a:endParaRPr lang="en-US"/>
           </a:p>
@@ -3239,7 +3242,7 @@
           <a:p>
             <a:fld id="{BA763BF8-AC66-E249-9CE8-8353EEB16B82}" type="datetimeFigureOut">
               <a:rPr lang="en-US" smtClean="0"/>
-              <a:t>10/19/21</a:t>
+              <a:t>3/7/24</a:t>
             </a:fld>
             <a:endParaRPr lang="en-US"/>
           </a:p>
@@ -3527,7 +3530,7 @@
           <a:p>
             <a:fld id="{BA763BF8-AC66-E249-9CE8-8353EEB16B82}" type="datetimeFigureOut">
               <a:rPr lang="en-US" smtClean="0"/>
-              <a:t>10/19/21</a:t>
+              <a:t>3/7/24</a:t>
             </a:fld>
             <a:endParaRPr lang="en-US"/>
           </a:p>
@@ -3771,7 +3774,7 @@
             <a:fld id="{BA763BF8-AC66-E249-9CE8-8353EEB16B82}" type="datetimeFigureOut">
               <a:rPr lang="en-US" smtClean="0"/>
               <a:pPr/>
-              <a:t>10/19/21</a:t>
+              <a:t>3/7/24</a:t>
             </a:fld>
             <a:endParaRPr lang="en-US"/>
           </a:p>
@@ -4239,7 +4242,18 @@
           <a:p>
             <a:r>
               <a:rPr lang="en-GB" dirty="0"/>
-              <a:t>Vanessa </a:t>
+              <a:t>Jamil </a:t>
+            </a:r>
+            <a:r>
+              <a:rPr lang="en-GB" dirty="0" err="1"/>
+              <a:t>Bhanji</a:t>
+            </a:r>
+            <a:endParaRPr lang="en-GB" dirty="0"/>
+          </a:p>
+          <a:p>
+            <a:r>
+              <a:rPr lang="en-GB" dirty="0"/>
+              <a:t>with help from Vanessa </a:t>
             </a:r>
             <a:r>
               <a:rPr lang="en-GB" dirty="0" err="1"/>
@@ -4250,18 +4264,7 @@
           <a:p>
             <a:r>
               <a:rPr lang="en-GB" dirty="0"/>
-              <a:t>Jamil </a:t>
-            </a:r>
-            <a:r>
-              <a:rPr lang="en-GB" dirty="0" err="1"/>
-              <a:t>Bhanji</a:t>
-            </a:r>
-            <a:endParaRPr lang="en-GB" dirty="0"/>
-          </a:p>
-          <a:p>
-            <a:r>
-              <a:rPr lang="en-GB" dirty="0"/>
-              <a:t>with a little help from Andy Field</a:t>
+              <a:t>and Andy Field</a:t>
             </a:r>
           </a:p>
         </p:txBody>
@@ -4616,6 +4619,544 @@
       <p:bldP spid="3" grpId="0" build="p"/>
     </p:bldLst>
   </p:timing>
+</p:sld>
+</file>
+
+<file path=ppt/slides/slide11.xml><?xml version="1.0" encoding="utf-8"?>
+<p:sld xmlns:a="http://schemas.openxmlformats.org/drawingml/2006/main" xmlns:r="http://schemas.openxmlformats.org/officeDocument/2006/relationships" xmlns:p="http://schemas.openxmlformats.org/presentationml/2006/main">
+  <p:cSld>
+    <p:spTree>
+      <p:nvGrpSpPr>
+        <p:cNvPr id="1" name=""/>
+        <p:cNvGrpSpPr/>
+        <p:nvPr/>
+      </p:nvGrpSpPr>
+      <p:grpSpPr>
+        <a:xfrm>
+          <a:off x="0" y="0"/>
+          <a:ext cx="0" cy="0"/>
+          <a:chOff x="0" y="0"/>
+          <a:chExt cx="0" cy="0"/>
+        </a:xfrm>
+      </p:grpSpPr>
+      <p:sp>
+        <p:nvSpPr>
+          <p:cNvPr id="2" name="Title 1"/>
+          <p:cNvSpPr>
+            <a:spLocks noGrp="1"/>
+          </p:cNvSpPr>
+          <p:nvPr>
+            <p:ph type="title"/>
+          </p:nvPr>
+        </p:nvSpPr>
+        <p:spPr/>
+        <p:txBody>
+          <a:bodyPr/>
+          <a:lstStyle/>
+          <a:p>
+            <a:r>
+              <a:rPr lang="en-GB" dirty="0"/>
+              <a:t>Effect size</a:t>
+            </a:r>
+            <a:endParaRPr lang="en-US" dirty="0"/>
+          </a:p>
+        </p:txBody>
+      </p:sp>
+      <p:sp>
+        <p:nvSpPr>
+          <p:cNvPr id="4" name="Content Placeholder 3">
+            <a:extLst>
+              <a:ext uri="{FF2B5EF4-FFF2-40B4-BE49-F238E27FC236}">
+                <a16:creationId xmlns:a16="http://schemas.microsoft.com/office/drawing/2014/main" id="{94DEA5E4-E11B-5C83-2C31-677E182AF6F1}"/>
+              </a:ext>
+            </a:extLst>
+          </p:cNvPr>
+          <p:cNvSpPr>
+            <a:spLocks noGrp="1"/>
+          </p:cNvSpPr>
+          <p:nvPr>
+            <p:ph idx="1"/>
+          </p:nvPr>
+        </p:nvSpPr>
+        <p:spPr/>
+        <p:txBody>
+          <a:bodyPr/>
+          <a:lstStyle/>
+          <a:p>
+            <a:r>
+              <a:rPr lang="en-US" dirty="0"/>
+              <a:t>The “strength” of an effect</a:t>
+            </a:r>
+          </a:p>
+          <a:p>
+            <a:pPr lvl="1"/>
+            <a:r>
+              <a:rPr lang="en-US" dirty="0"/>
+              <a:t>How different are two means?</a:t>
+            </a:r>
+          </a:p>
+          <a:p>
+            <a:pPr lvl="1"/>
+            <a:r>
+              <a:rPr lang="en-US" dirty="0"/>
+              <a:t>How closely associated are two variables?</a:t>
+            </a:r>
+          </a:p>
+          <a:p>
+            <a:pPr lvl="1"/>
+            <a:r>
+              <a:rPr lang="en-US" dirty="0"/>
+              <a:t>How much outcome variance do(es) the predictor(s) explain?</a:t>
+            </a:r>
+          </a:p>
+          <a:p>
+            <a:r>
+              <a:rPr lang="en-US" dirty="0"/>
+              <a:t>Not dependent on sample size</a:t>
+            </a:r>
+          </a:p>
+          <a:p>
+            <a:pPr lvl="1"/>
+            <a:r>
+              <a:rPr lang="en-US" dirty="0"/>
+              <a:t>t-stat, F-stat, X</a:t>
+            </a:r>
+            <a:r>
+              <a:rPr lang="en-US" baseline="30000" dirty="0"/>
+              <a:t>2</a:t>
+            </a:r>
+            <a:r>
+              <a:rPr lang="en-US" dirty="0"/>
+              <a:t>, W, U are not effect sizes</a:t>
+            </a:r>
+          </a:p>
+          <a:p>
+            <a:pPr lvl="1"/>
+            <a:r>
+              <a:rPr lang="en-US" dirty="0"/>
+              <a:t>Mean difference, covariance, (unstandardized) regression beta coefficients are </a:t>
+            </a:r>
+            <a:r>
+              <a:rPr lang="en-US" b="1" i="1" dirty="0"/>
+              <a:t>unstandardized</a:t>
+            </a:r>
+            <a:r>
+              <a:rPr lang="en-US" i="1" dirty="0"/>
+              <a:t> </a:t>
+            </a:r>
+            <a:r>
+              <a:rPr lang="en-US" dirty="0"/>
+              <a:t>effect size measures</a:t>
+            </a:r>
+          </a:p>
+          <a:p>
+            <a:pPr lvl="1"/>
+            <a:r>
+              <a:rPr lang="en-US" dirty="0"/>
+              <a:t>Cohen d, r, 𝜌, r</a:t>
+            </a:r>
+            <a:r>
+              <a:rPr lang="en-US" baseline="30000" dirty="0"/>
+              <a:t>2</a:t>
+            </a:r>
+            <a:r>
+              <a:rPr lang="en-US" dirty="0"/>
+              <a:t>, η</a:t>
+            </a:r>
+            <a:r>
+              <a:rPr lang="en-US" baseline="30000" dirty="0"/>
+              <a:t>2</a:t>
+            </a:r>
+            <a:r>
+              <a:rPr lang="en-US" dirty="0"/>
+              <a:t>, Cohen </a:t>
+            </a:r>
+            <a:r>
+              <a:rPr lang="en-US" i="1" dirty="0"/>
+              <a:t>f, </a:t>
+            </a:r>
+            <a:r>
+              <a:rPr lang="en-US" dirty="0"/>
+              <a:t>Hedge’s</a:t>
+            </a:r>
+            <a:r>
+              <a:rPr lang="en-US" i="1" dirty="0"/>
+              <a:t> g, </a:t>
+            </a:r>
+            <a:r>
+              <a:rPr lang="en-US" dirty="0"/>
+              <a:t>Glass’s </a:t>
+            </a:r>
+            <a:r>
+              <a:rPr lang="en-US" dirty="0" err="1"/>
+              <a:t>Δ</a:t>
+            </a:r>
+            <a:r>
+              <a:rPr lang="en-US" dirty="0"/>
+              <a:t> are common </a:t>
+            </a:r>
+            <a:r>
+              <a:rPr lang="en-US" b="1" i="1" dirty="0"/>
+              <a:t>standardized</a:t>
+            </a:r>
+            <a:r>
+              <a:rPr lang="en-US" dirty="0"/>
+              <a:t> effect size measures</a:t>
+            </a:r>
+            <a:endParaRPr lang="en-US" i="1" dirty="0"/>
+          </a:p>
+        </p:txBody>
+      </p:sp>
+    </p:spTree>
+    <p:extLst>
+      <p:ext uri="{BB962C8B-B14F-4D97-AF65-F5344CB8AC3E}">
+        <p14:creationId xmlns:p14="http://schemas.microsoft.com/office/powerpoint/2010/main" val="2804646177"/>
+      </p:ext>
+    </p:extLst>
+  </p:cSld>
+  <p:clrMapOvr>
+    <a:masterClrMapping/>
+  </p:clrMapOvr>
+</p:sld>
+</file>
+
+<file path=ppt/slides/slide12.xml><?xml version="1.0" encoding="utf-8"?>
+<p:sld xmlns:a="http://schemas.openxmlformats.org/drawingml/2006/main" xmlns:r="http://schemas.openxmlformats.org/officeDocument/2006/relationships" xmlns:p="http://schemas.openxmlformats.org/presentationml/2006/main">
+  <p:cSld>
+    <p:bg>
+      <p:bgPr>
+        <a:solidFill>
+          <a:schemeClr val="bg1"/>
+        </a:solidFill>
+        <a:effectLst/>
+      </p:bgPr>
+    </p:bg>
+    <p:spTree>
+      <p:nvGrpSpPr>
+        <p:cNvPr id="1" name=""/>
+        <p:cNvGrpSpPr/>
+        <p:nvPr/>
+      </p:nvGrpSpPr>
+      <p:grpSpPr>
+        <a:xfrm>
+          <a:off x="0" y="0"/>
+          <a:ext cx="0" cy="0"/>
+          <a:chOff x="0" y="0"/>
+          <a:chExt cx="0" cy="0"/>
+        </a:xfrm>
+      </p:grpSpPr>
+      <p:sp>
+        <p:nvSpPr>
+          <p:cNvPr id="12" name="Flowchart: Document 11">
+            <a:extLst>
+              <a:ext uri="{FF2B5EF4-FFF2-40B4-BE49-F238E27FC236}">
+                <a16:creationId xmlns:a16="http://schemas.microsoft.com/office/drawing/2014/main" id="{D12DDE76-C203-4047-9998-63900085B5E8}"/>
+              </a:ext>
+              <a:ext uri="{C183D7F6-B498-43B3-948B-1728B52AA6E4}">
+                <adec:decorative xmlns:adec="http://schemas.microsoft.com/office/drawing/2017/decorative" val="1"/>
+              </a:ext>
+            </a:extLst>
+          </p:cNvPr>
+          <p:cNvSpPr>
+            <a:spLocks noGrp="1" noRot="1" noChangeAspect="1" noMove="1" noResize="1" noEditPoints="1" noAdjustHandles="1" noChangeArrowheads="1" noChangeShapeType="1" noTextEdit="1"/>
+          </p:cNvSpPr>
+          <p:nvPr>
+            <p:extLst>
+              <p:ext uri="{386F3935-93C4-4BCD-93E2-E3B085C9AB24}">
+                <p16:designElem xmlns:p16="http://schemas.microsoft.com/office/powerpoint/2015/main" val="1"/>
+              </p:ext>
+            </p:extLst>
+          </p:nvPr>
+        </p:nvSpPr>
+        <p:spPr>
+          <a:xfrm>
+            <a:off x="638175" y="0"/>
+            <a:ext cx="3248025" cy="3400426"/>
+          </a:xfrm>
+          <a:prstGeom prst="flowChartDocument">
+            <a:avLst/>
+          </a:prstGeom>
+          <a:solidFill>
+            <a:schemeClr val="accent1"/>
+          </a:solidFill>
+          <a:ln>
+            <a:noFill/>
+          </a:ln>
+        </p:spPr>
+        <p:style>
+          <a:lnRef idx="2">
+            <a:schemeClr val="accent1">
+              <a:shade val="50000"/>
+            </a:schemeClr>
+          </a:lnRef>
+          <a:fillRef idx="1">
+            <a:schemeClr val="accent1"/>
+          </a:fillRef>
+          <a:effectRef idx="0">
+            <a:schemeClr val="accent1"/>
+          </a:effectRef>
+          <a:fontRef idx="minor">
+            <a:schemeClr val="lt1"/>
+          </a:fontRef>
+        </p:style>
+        <p:txBody>
+          <a:bodyPr rtlCol="0" anchor="ctr"/>
+          <a:lstStyle/>
+          <a:p>
+            <a:pPr algn="ctr"/>
+            <a:endParaRPr lang="en-US"/>
+          </a:p>
+        </p:txBody>
+      </p:sp>
+      <p:sp>
+        <p:nvSpPr>
+          <p:cNvPr id="2" name="Title 1"/>
+          <p:cNvSpPr>
+            <a:spLocks noGrp="1"/>
+          </p:cNvSpPr>
+          <p:nvPr>
+            <p:ph type="title"/>
+          </p:nvPr>
+        </p:nvSpPr>
+        <p:spPr>
+          <a:xfrm>
+            <a:off x="838200" y="171162"/>
+            <a:ext cx="2840182" cy="2371148"/>
+          </a:xfrm>
+        </p:spPr>
+        <p:txBody>
+          <a:bodyPr vert="horz" lIns="91440" tIns="45720" rIns="91440" bIns="45720" rtlCol="0" anchor="ctr">
+            <a:normAutofit/>
+          </a:bodyPr>
+          <a:lstStyle/>
+          <a:p>
+            <a:pPr algn="l"/>
+            <a:r>
+              <a:rPr lang="en-US" sz="3200" kern="1200">
+                <a:solidFill>
+                  <a:srgbClr val="FFFFFF"/>
+                </a:solidFill>
+                <a:latin typeface="+mj-lt"/>
+                <a:ea typeface="+mj-ea"/>
+                <a:cs typeface="+mj-cs"/>
+              </a:rPr>
+              <a:t>Effect sizes (Ferguson)</a:t>
+            </a:r>
+          </a:p>
+        </p:txBody>
+      </p:sp>
+      <p:pic>
+        <p:nvPicPr>
+          <p:cNvPr id="7" name="Content Placeholder 6" descr="A close-up of a data&#10;&#10;Description automatically generated">
+            <a:extLst>
+              <a:ext uri="{FF2B5EF4-FFF2-40B4-BE49-F238E27FC236}">
+                <a16:creationId xmlns:a16="http://schemas.microsoft.com/office/drawing/2014/main" id="{24B6CC59-0E28-DDD7-4805-CB90A59C1120}"/>
+              </a:ext>
+            </a:extLst>
+          </p:cNvPr>
+          <p:cNvPicPr>
+            <a:picLocks noGrp="1" noChangeAspect="1"/>
+          </p:cNvPicPr>
+          <p:nvPr>
+            <p:ph idx="1"/>
+          </p:nvPr>
+        </p:nvPicPr>
+        <p:blipFill>
+          <a:blip r:embed="rId2"/>
+          <a:stretch>
+            <a:fillRect/>
+          </a:stretch>
+        </p:blipFill>
+        <p:spPr>
+          <a:xfrm>
+            <a:off x="494553" y="3314414"/>
+            <a:ext cx="11059272" cy="2930708"/>
+          </a:xfrm>
+          <a:prstGeom prst="rect">
+            <a:avLst/>
+          </a:prstGeom>
+        </p:spPr>
+      </p:pic>
+    </p:spTree>
+    <p:extLst>
+      <p:ext uri="{BB962C8B-B14F-4D97-AF65-F5344CB8AC3E}">
+        <p14:creationId xmlns:p14="http://schemas.microsoft.com/office/powerpoint/2010/main" val="1164422099"/>
+      </p:ext>
+    </p:extLst>
+  </p:cSld>
+  <p:clrMapOvr>
+    <a:masterClrMapping/>
+  </p:clrMapOvr>
+</p:sld>
+</file>
+
+<file path=ppt/slides/slide13.xml><?xml version="1.0" encoding="utf-8"?>
+<p:sld xmlns:a="http://schemas.openxmlformats.org/drawingml/2006/main" xmlns:r="http://schemas.openxmlformats.org/officeDocument/2006/relationships" xmlns:p="http://schemas.openxmlformats.org/presentationml/2006/main">
+  <p:cSld>
+    <p:bg>
+      <p:bgPr>
+        <a:solidFill>
+          <a:schemeClr val="bg1"/>
+        </a:solidFill>
+        <a:effectLst/>
+      </p:bgPr>
+    </p:bg>
+    <p:spTree>
+      <p:nvGrpSpPr>
+        <p:cNvPr id="1" name=""/>
+        <p:cNvGrpSpPr/>
+        <p:nvPr/>
+      </p:nvGrpSpPr>
+      <p:grpSpPr>
+        <a:xfrm>
+          <a:off x="0" y="0"/>
+          <a:ext cx="0" cy="0"/>
+          <a:chOff x="0" y="0"/>
+          <a:chExt cx="0" cy="0"/>
+        </a:xfrm>
+      </p:grpSpPr>
+      <p:sp>
+        <p:nvSpPr>
+          <p:cNvPr id="15" name="Flowchart: Document 14">
+            <a:extLst>
+              <a:ext uri="{FF2B5EF4-FFF2-40B4-BE49-F238E27FC236}">
+                <a16:creationId xmlns:a16="http://schemas.microsoft.com/office/drawing/2014/main" id="{D12DDE76-C203-4047-9998-63900085B5E8}"/>
+              </a:ext>
+              <a:ext uri="{C183D7F6-B498-43B3-948B-1728B52AA6E4}">
+                <adec:decorative xmlns:adec="http://schemas.microsoft.com/office/drawing/2017/decorative" val="1"/>
+              </a:ext>
+            </a:extLst>
+          </p:cNvPr>
+          <p:cNvSpPr>
+            <a:spLocks noGrp="1" noRot="1" noChangeAspect="1" noMove="1" noResize="1" noEditPoints="1" noAdjustHandles="1" noChangeArrowheads="1" noChangeShapeType="1" noTextEdit="1"/>
+          </p:cNvSpPr>
+          <p:nvPr>
+            <p:extLst>
+              <p:ext uri="{386F3935-93C4-4BCD-93E2-E3B085C9AB24}">
+                <p16:designElem xmlns:p16="http://schemas.microsoft.com/office/powerpoint/2015/main" val="1"/>
+              </p:ext>
+            </p:extLst>
+          </p:nvPr>
+        </p:nvSpPr>
+        <p:spPr>
+          <a:xfrm>
+            <a:off x="638175" y="0"/>
+            <a:ext cx="3248025" cy="3400426"/>
+          </a:xfrm>
+          <a:prstGeom prst="flowChartDocument">
+            <a:avLst/>
+          </a:prstGeom>
+          <a:solidFill>
+            <a:schemeClr val="accent1"/>
+          </a:solidFill>
+          <a:ln>
+            <a:noFill/>
+          </a:ln>
+        </p:spPr>
+        <p:style>
+          <a:lnRef idx="2">
+            <a:schemeClr val="accent1">
+              <a:shade val="50000"/>
+            </a:schemeClr>
+          </a:lnRef>
+          <a:fillRef idx="1">
+            <a:schemeClr val="accent1"/>
+          </a:fillRef>
+          <a:effectRef idx="0">
+            <a:schemeClr val="accent1"/>
+          </a:effectRef>
+          <a:fontRef idx="minor">
+            <a:schemeClr val="lt1"/>
+          </a:fontRef>
+        </p:style>
+        <p:txBody>
+          <a:bodyPr rtlCol="0" anchor="ctr"/>
+          <a:lstStyle/>
+          <a:p>
+            <a:pPr algn="ctr"/>
+            <a:endParaRPr lang="en-US"/>
+          </a:p>
+        </p:txBody>
+      </p:sp>
+      <p:sp>
+        <p:nvSpPr>
+          <p:cNvPr id="2" name="Title 1"/>
+          <p:cNvSpPr>
+            <a:spLocks noGrp="1"/>
+          </p:cNvSpPr>
+          <p:nvPr>
+            <p:ph type="title"/>
+          </p:nvPr>
+        </p:nvSpPr>
+        <p:spPr>
+          <a:xfrm>
+            <a:off x="838200" y="171162"/>
+            <a:ext cx="2840182" cy="2371148"/>
+          </a:xfrm>
+        </p:spPr>
+        <p:txBody>
+          <a:bodyPr vert="horz" lIns="91440" tIns="45720" rIns="91440" bIns="45720" rtlCol="0" anchor="ctr">
+            <a:normAutofit/>
+          </a:bodyPr>
+          <a:lstStyle/>
+          <a:p>
+            <a:pPr algn="l"/>
+            <a:r>
+              <a:rPr lang="en-US" sz="3200" kern="1200">
+                <a:solidFill>
+                  <a:srgbClr val="FFFFFF"/>
+                </a:solidFill>
+                <a:latin typeface="+mj-lt"/>
+                <a:ea typeface="+mj-ea"/>
+                <a:cs typeface="+mj-cs"/>
+              </a:rPr>
+              <a:t>Effect sizes (Lakens)</a:t>
+            </a:r>
+          </a:p>
+        </p:txBody>
+      </p:sp>
+      <p:pic>
+        <p:nvPicPr>
+          <p:cNvPr id="10" name="Content Placeholder 9" descr="A screenshot of a test&#10;&#10;Description automatically generated">
+            <a:extLst>
+              <a:ext uri="{FF2B5EF4-FFF2-40B4-BE49-F238E27FC236}">
+                <a16:creationId xmlns:a16="http://schemas.microsoft.com/office/drawing/2014/main" id="{F69A4E60-CE9B-E33B-9B20-04C5C1702325}"/>
+              </a:ext>
+            </a:extLst>
+          </p:cNvPr>
+          <p:cNvPicPr>
+            <a:picLocks noGrp="1" noChangeAspect="1"/>
+          </p:cNvPicPr>
+          <p:nvPr>
+            <p:ph idx="1"/>
+          </p:nvPr>
+        </p:nvPicPr>
+        <p:blipFill>
+          <a:blip r:embed="rId2"/>
+          <a:stretch>
+            <a:fillRect/>
+          </a:stretch>
+        </p:blipFill>
+        <p:spPr>
+          <a:xfrm>
+            <a:off x="4305993" y="171162"/>
+            <a:ext cx="6330248" cy="6410379"/>
+          </a:xfrm>
+          <a:prstGeom prst="rect">
+            <a:avLst/>
+          </a:prstGeom>
+        </p:spPr>
+      </p:pic>
+    </p:spTree>
+    <p:extLst>
+      <p:ext uri="{BB962C8B-B14F-4D97-AF65-F5344CB8AC3E}">
+        <p14:creationId xmlns:p14="http://schemas.microsoft.com/office/powerpoint/2010/main" val="3120889234"/>
+      </p:ext>
+    </p:extLst>
+  </p:cSld>
+  <p:clrMapOvr>
+    <a:masterClrMapping/>
+  </p:clrMapOvr>
 </p:sld>
 </file>
 
@@ -5070,14 +5611,14 @@
           <a:p>
             <a:r>
               <a:rPr lang="en-GB" sz="3200" dirty="0"/>
-              <a:t>The simplest form of experiment is with only one independent variable that is manipulated in only two ways and only one outcome is measured.</a:t>
+              <a:t>The simplest form of an experiment is with only one independent variable that is manipulated to yield only two levels and only one (continuous) outcome is measured.</a:t>
             </a:r>
           </a:p>
           <a:p>
             <a:pPr lvl="1"/>
             <a:r>
               <a:rPr lang="en-GB" sz="3000" dirty="0"/>
-              <a:t>E.g., experimental condition vs. control</a:t>
+              <a:t>E.g., experimental condition vs. control, one outcome measure</a:t>
             </a:r>
           </a:p>
           <a:p>
@@ -5341,6 +5882,41 @@
           </a:bodyPr>
           <a:lstStyle/>
           <a:p>
+            <a:endParaRPr lang="en-GB" sz="3200" dirty="0"/>
+          </a:p>
+          <a:p>
+            <a:r>
+              <a:rPr lang="en-GB" sz="3200" dirty="0"/>
+              <a:t>Independent </a:t>
+            </a:r>
+            <a:r>
+              <a:rPr lang="en-GB" sz="3200" i="1" dirty="0"/>
+              <a:t>t</a:t>
+            </a:r>
+            <a:r>
+              <a:rPr lang="en-GB" sz="3200" dirty="0"/>
+              <a:t>-test</a:t>
+            </a:r>
+          </a:p>
+          <a:p>
+            <a:pPr lvl="1"/>
+            <a:r>
+              <a:rPr lang="en-GB" sz="3000" dirty="0"/>
+              <a:t>Compares two means based on independent data</a:t>
+            </a:r>
+          </a:p>
+          <a:p>
+            <a:pPr lvl="1"/>
+            <a:r>
+              <a:rPr lang="en-GB" sz="3000" dirty="0"/>
+              <a:t>E.g., data from different groups of people</a:t>
+            </a:r>
+          </a:p>
+          <a:p>
+            <a:pPr lvl="1"/>
+            <a:endParaRPr lang="en-GB" sz="3000" dirty="0"/>
+          </a:p>
+          <a:p>
             <a:r>
               <a:rPr lang="en-GB" sz="3200" dirty="0"/>
               <a:t>Dependent </a:t>
@@ -5376,35 +5952,8 @@
             </a:r>
           </a:p>
           <a:p>
-            <a:endParaRPr lang="en-GB" sz="3200" dirty="0"/>
-          </a:p>
-          <a:p>
-            <a:r>
-              <a:rPr lang="en-GB" sz="3200" dirty="0"/>
-              <a:t>Independent </a:t>
-            </a:r>
-            <a:r>
-              <a:rPr lang="en-GB" sz="3200" i="1" dirty="0"/>
-              <a:t>t</a:t>
-            </a:r>
-            <a:r>
-              <a:rPr lang="en-GB" sz="3200" dirty="0"/>
-              <a:t>-test</a:t>
-            </a:r>
-          </a:p>
-          <a:p>
             <a:pPr lvl="1"/>
-            <a:r>
-              <a:rPr lang="en-GB" sz="3000" dirty="0"/>
-              <a:t>Compares two means based on independent data</a:t>
-            </a:r>
-          </a:p>
-          <a:p>
-            <a:pPr lvl="1"/>
-            <a:r>
-              <a:rPr lang="en-GB" sz="3000" dirty="0"/>
-              <a:t>E.g., data from different groups of people</a:t>
-            </a:r>
+            <a:endParaRPr lang="en-GB" sz="3000" dirty="0"/>
           </a:p>
         </p:txBody>
       </p:sp>
@@ -5454,7 +6003,7 @@
                                         <p:tgtEl>
                                           <p:spTgt spid="3">
                                             <p:txEl>
-                                              <p:pRg st="0" end="0"/>
+                                              <p:pRg st="1" end="1"/>
                                             </p:txEl>
                                           </p:spTgt>
                                         </p:tgtEl>
@@ -5485,7 +6034,7 @@
                                         <p:tgtEl>
                                           <p:spTgt spid="3">
                                             <p:txEl>
-                                              <p:pRg st="1" end="1"/>
+                                              <p:pRg st="2" end="2"/>
                                             </p:txEl>
                                           </p:spTgt>
                                         </p:tgtEl>
@@ -5516,37 +6065,6 @@
                                         <p:tgtEl>
                                           <p:spTgt spid="3">
                                             <p:txEl>
-                                              <p:pRg st="2" end="2"/>
-                                            </p:txEl>
-                                          </p:spTgt>
-                                        </p:tgtEl>
-                                        <p:attrNameLst>
-                                          <p:attrName>style.visibility</p:attrName>
-                                        </p:attrNameLst>
-                                      </p:cBhvr>
-                                      <p:to>
-                                        <p:strVal val="visible"/>
-                                      </p:to>
-                                    </p:set>
-                                  </p:childTnLst>
-                                </p:cTn>
-                              </p:par>
-                              <p:par>
-                                <p:cTn id="11" presetID="1" presetClass="entr" presetSubtype="0" fill="hold" grpId="0" nodeType="withEffect">
-                                  <p:stCondLst>
-                                    <p:cond delay="0"/>
-                                  </p:stCondLst>
-                                  <p:childTnLst>
-                                    <p:set>
-                                      <p:cBhvr>
-                                        <p:cTn id="12" dur="1" fill="hold">
-                                          <p:stCondLst>
-                                            <p:cond delay="0"/>
-                                          </p:stCondLst>
-                                        </p:cTn>
-                                        <p:tgtEl>
-                                          <p:spTgt spid="3">
-                                            <p:txEl>
                                               <p:pRg st="3" end="3"/>
                                             </p:txEl>
                                           </p:spTgt>
@@ -5569,19 +6087,50 @@
                     </p:cTn>
                   </p:par>
                   <p:par>
-                    <p:cTn id="13" fill="hold">
+                    <p:cTn id="11" fill="hold">
                       <p:stCondLst>
                         <p:cond delay="indefinite"/>
                       </p:stCondLst>
                       <p:childTnLst>
                         <p:par>
-                          <p:cTn id="14" fill="hold">
+                          <p:cTn id="12" fill="hold">
                             <p:stCondLst>
                               <p:cond delay="0"/>
                             </p:stCondLst>
                             <p:childTnLst>
                               <p:par>
-                                <p:cTn id="15" presetID="1" presetClass="entr" presetSubtype="0" fill="hold" grpId="0" nodeType="clickEffect">
+                                <p:cTn id="13" presetID="1" presetClass="entr" presetSubtype="0" fill="hold" grpId="0" nodeType="clickEffect">
+                                  <p:stCondLst>
+                                    <p:cond delay="0"/>
+                                  </p:stCondLst>
+                                  <p:childTnLst>
+                                    <p:set>
+                                      <p:cBhvr>
+                                        <p:cTn id="14" dur="1" fill="hold">
+                                          <p:stCondLst>
+                                            <p:cond delay="0"/>
+                                          </p:stCondLst>
+                                        </p:cTn>
+                                        <p:tgtEl>
+                                          <p:spTgt spid="3">
+                                            <p:txEl>
+                                              <p:pRg st="5" end="5"/>
+                                            </p:txEl>
+                                          </p:spTgt>
+                                        </p:tgtEl>
+                                        <p:attrNameLst>
+                                          <p:attrName>style.visibility</p:attrName>
+                                        </p:attrNameLst>
+                                      </p:cBhvr>
+                                      <p:to>
+                                        <p:strVal val="visible"/>
+                                      </p:to>
+                                    </p:set>
+                                  </p:childTnLst>
+                                </p:cTn>
+                              </p:par>
+                              <p:par>
+                                <p:cTn id="15" presetID="1" presetClass="entr" presetSubtype="0" fill="hold" grpId="0" nodeType="withEffect">
                                   <p:stCondLst>
                                     <p:cond delay="0"/>
                                   </p:stCondLst>
@@ -5596,7 +6145,7 @@
                                         <p:tgtEl>
                                           <p:spTgt spid="3">
                                             <p:txEl>
-                                              <p:pRg st="5" end="5"/>
+                                              <p:pRg st="6" end="6"/>
                                             </p:txEl>
                                           </p:spTgt>
                                         </p:tgtEl>
@@ -5627,7 +6176,7 @@
                                         <p:tgtEl>
                                           <p:spTgt spid="3">
                                             <p:txEl>
-                                              <p:pRg st="6" end="6"/>
+                                              <p:pRg st="7" end="7"/>
                                             </p:txEl>
                                           </p:spTgt>
                                         </p:tgtEl>
@@ -5658,7 +6207,7 @@
                                         <p:tgtEl>
                                           <p:spTgt spid="3">
                                             <p:txEl>
-                                              <p:pRg st="7" end="7"/>
+                                              <p:pRg st="8" end="8"/>
                                             </p:txEl>
                                           </p:spTgt>
                                         </p:tgtEl>
@@ -5793,10 +6342,22 @@
             <a:endParaRPr lang="en-GB" sz="4600" dirty="0"/>
           </a:p>
           <a:p>
-            <a:pPr lvl="0"/>
+            <a:pPr lvl="0">
+              <a:lnSpc>
+                <a:spcPct val="120000"/>
+              </a:lnSpc>
+            </a:pPr>
             <a:r>
               <a:rPr lang="en-GB" sz="4600" dirty="0"/>
-              <a:t>If the samples come from the same population, we would expect large differences between sample means to occur very infrequently. Under the null hypothesis we expect means from two random samples to be very similar</a:t>
+              <a:t>If the samples come from the same population (this is the null hypothesis), we would expect large differences between sample means to occur very </a:t>
+            </a:r>
+            <a:r>
+              <a:rPr lang="en-GB" sz="4600" b="1" i="1" dirty="0"/>
+              <a:t>infrequently</a:t>
+            </a:r>
+            <a:r>
+              <a:rPr lang="en-GB" sz="4600" dirty="0"/>
+              <a:t>. </a:t>
             </a:r>
           </a:p>
         </p:txBody>
@@ -6059,41 +6620,68 @@
         </p:spPr>
         <p:txBody>
           <a:bodyPr>
-            <a:normAutofit fontScale="47500" lnSpcReduction="20000"/>
+            <a:normAutofit fontScale="40000" lnSpcReduction="20000"/>
           </a:bodyPr>
           <a:lstStyle/>
           <a:p>
             <a:pPr marL="457200" lvl="1" indent="0">
+              <a:lnSpc>
+                <a:spcPct val="120000"/>
+              </a:lnSpc>
               <a:buNone/>
             </a:pPr>
             <a:r>
               <a:rPr lang="en-GB" sz="6700" dirty="0"/>
-              <a:t>If the difference between the samples is larger than we would expect based on the standard error then one of two things has happened:</a:t>
+              <a:t>If the difference between the samples is larger than we would expect </a:t>
+            </a:r>
+            <a:r>
+              <a:rPr lang="en-GB" sz="6700" dirty="0">
+                <a:solidFill>
+                  <a:srgbClr val="FF0000"/>
+                </a:solidFill>
+              </a:rPr>
+              <a:t>based on the standard error </a:t>
+            </a:r>
+            <a:r>
+              <a:rPr lang="en-GB" sz="6700" dirty="0"/>
+              <a:t>then one of two things has happened:</a:t>
             </a:r>
           </a:p>
           <a:p>
             <a:pPr marL="457200" lvl="1" indent="0">
+              <a:lnSpc>
+                <a:spcPct val="120000"/>
+              </a:lnSpc>
               <a:buNone/>
             </a:pPr>
             <a:endParaRPr lang="en-GB" sz="6700" dirty="0"/>
           </a:p>
           <a:p>
             <a:pPr marL="457200" lvl="1" indent="0">
+              <a:lnSpc>
+                <a:spcPct val="120000"/>
+              </a:lnSpc>
               <a:buNone/>
             </a:pPr>
             <a:r>
               <a:rPr lang="en-GB" sz="6700" dirty="0"/>
-              <a:t>1. There is no effect but sample means from our population fluctuate a lot and we happen to have collected two samples that produce very different means </a:t>
+              <a:t>1. There is no true effect but sample means from our population fluctuate we happen to have collected two samples that produce very different means </a:t>
             </a:r>
           </a:p>
           <a:p>
             <a:pPr marL="457200" lvl="1" indent="0">
+              <a:lnSpc>
+                <a:spcPct val="120000"/>
+              </a:lnSpc>
               <a:buNone/>
             </a:pPr>
             <a:endParaRPr lang="en-GB" sz="6700" dirty="0"/>
           </a:p>
           <a:p>
             <a:pPr marL="457200" lvl="1" indent="0">
+              <a:lnSpc>
+                <a:spcPct val="120000"/>
+              </a:lnSpc>
               <a:buNone/>
             </a:pPr>
             <a:r>
@@ -6371,6 +6959,11 @@
           </a:bodyPr>
           <a:lstStyle/>
           <a:p>
+            <a:pPr>
+              <a:lnSpc>
+                <a:spcPct val="100000"/>
+              </a:lnSpc>
+            </a:pPr>
             <a:r>
               <a:rPr lang="en-GB" sz="3200" dirty="0"/>
               <a:t>Both the independent </a:t>
@@ -6401,23 +6994,33 @@
             </a:r>
           </a:p>
           <a:p>
-            <a:endParaRPr lang="en-GB" sz="3200" dirty="0"/>
-          </a:p>
-          <a:p>
+            <a:pPr>
+              <a:lnSpc>
+                <a:spcPct val="100000"/>
+              </a:lnSpc>
+            </a:pPr>
             <a:r>
               <a:rPr lang="en-GB" sz="3200" dirty="0"/>
               <a:t>Therefore, they assume:</a:t>
             </a:r>
           </a:p>
           <a:p>
-            <a:pPr lvl="1"/>
+            <a:pPr lvl="1">
+              <a:lnSpc>
+                <a:spcPct val="100000"/>
+              </a:lnSpc>
+            </a:pPr>
             <a:r>
               <a:rPr lang="en-GB" sz="3000" dirty="0"/>
               <a:t>The sampling distribution is normally distributed</a:t>
             </a:r>
           </a:p>
           <a:p>
-            <a:pPr lvl="1"/>
+            <a:pPr lvl="1">
+              <a:lnSpc>
+                <a:spcPct val="100000"/>
+              </a:lnSpc>
+            </a:pPr>
             <a:r>
               <a:rPr lang="en-GB" sz="3000" dirty="0"/>
               <a:t>In the dependent </a:t>
@@ -6438,6 +7041,24 @@
               <a:rPr lang="en-GB" sz="3000" dirty="0"/>
               <a:t> between scores should be normal, not the scores themselves</a:t>
             </a:r>
+          </a:p>
+          <a:p>
+            <a:pPr lvl="1">
+              <a:lnSpc>
+                <a:spcPct val="100000"/>
+              </a:lnSpc>
+            </a:pPr>
+            <a:r>
+              <a:rPr lang="en-GB" sz="3000" dirty="0"/>
+              <a:t>The outcome is measured at least at the interval level. For ordinal data, see “Non-parametric tests”</a:t>
+            </a:r>
+          </a:p>
+          <a:p>
+            <a:pPr lvl="1"/>
+            <a:endParaRPr lang="en-GB" sz="3000" dirty="0"/>
+          </a:p>
+          <a:p>
+            <a:endParaRPr lang="en-GB" sz="3400" dirty="0"/>
           </a:p>
         </p:txBody>
       </p:sp>
@@ -6536,7 +7157,7 @@
                                         <p:tgtEl>
                                           <p:spTgt spid="3">
                                             <p:txEl>
-                                              <p:pRg st="2" end="2"/>
+                                              <p:pRg st="1" end="1"/>
                                             </p:txEl>
                                           </p:spTgt>
                                         </p:tgtEl>
@@ -6567,7 +7188,7 @@
                                         <p:tgtEl>
                                           <p:spTgt spid="3">
                                             <p:txEl>
-                                              <p:pRg st="3" end="3"/>
+                                              <p:pRg st="2" end="2"/>
                                             </p:txEl>
                                           </p:spTgt>
                                         </p:tgtEl>
@@ -6591,6 +7212,37 @@
                                     <p:set>
                                       <p:cBhvr>
                                         <p:cTn id="14" dur="1" fill="hold">
+                                          <p:stCondLst>
+                                            <p:cond delay="0"/>
+                                          </p:stCondLst>
+                                        </p:cTn>
+                                        <p:tgtEl>
+                                          <p:spTgt spid="3">
+                                            <p:txEl>
+                                              <p:pRg st="3" end="3"/>
+                                            </p:txEl>
+                                          </p:spTgt>
+                                        </p:tgtEl>
+                                        <p:attrNameLst>
+                                          <p:attrName>style.visibility</p:attrName>
+                                        </p:attrNameLst>
+                                      </p:cBhvr>
+                                      <p:to>
+                                        <p:strVal val="visible"/>
+                                      </p:to>
+                                    </p:set>
+                                  </p:childTnLst>
+                                </p:cTn>
+                              </p:par>
+                              <p:par>
+                                <p:cTn id="15" presetID="1" presetClass="entr" presetSubtype="0" fill="hold" grpId="0" nodeType="withEffect">
+                                  <p:stCondLst>
+                                    <p:cond delay="0"/>
+                                  </p:stCondLst>
+                                  <p:childTnLst>
+                                    <p:set>
+                                      <p:cBhvr>
+                                        <p:cTn id="16" dur="1" fill="hold">
                                           <p:stCondLst>
                                             <p:cond delay="0"/>
                                           </p:stCondLst>
@@ -7010,7 +7662,7 @@
         </p:spPr>
         <p:txBody>
           <a:bodyPr>
-            <a:normAutofit lnSpcReduction="10000"/>
+            <a:normAutofit/>
           </a:bodyPr>
           <a:lstStyle/>
           <a:p>
@@ -7037,32 +7689,6 @@
             <a:r>
               <a:rPr lang="en-GB" sz="3500" dirty="0"/>
               <a:t>Compares two dependent groups of scores</a:t>
-            </a:r>
-          </a:p>
-          <a:p>
-            <a:r>
-              <a:rPr lang="en-GB" sz="3500" dirty="0"/>
-              <a:t>Kruskal-Wallis Test</a:t>
-            </a:r>
-          </a:p>
-          <a:p>
-            <a:pPr lvl="1"/>
-            <a:r>
-              <a:rPr lang="en-GB" sz="3500" dirty="0"/>
-              <a:t>Compares &gt; 2 independent groups of scores</a:t>
-            </a:r>
-          </a:p>
-          <a:p>
-            <a:r>
-              <a:rPr lang="en-GB" sz="3500" dirty="0"/>
-              <a:t>Friedman’s Test</a:t>
-            </a:r>
-          </a:p>
-          <a:p>
-            <a:pPr lvl="1"/>
-            <a:r>
-              <a:rPr lang="en-GB" sz="3500" dirty="0"/>
-              <a:t>Compares &gt; 2 dependent groups of scores</a:t>
             </a:r>
           </a:p>
           <a:p>
@@ -7237,166 +7863,6 @@
                                           <p:spTgt spid="3">
                                             <p:txEl>
                                               <p:pRg st="3" end="3"/>
-                                            </p:txEl>
-                                          </p:spTgt>
-                                        </p:tgtEl>
-                                        <p:attrNameLst>
-                                          <p:attrName>style.visibility</p:attrName>
-                                        </p:attrNameLst>
-                                      </p:cBhvr>
-                                      <p:to>
-                                        <p:strVal val="visible"/>
-                                      </p:to>
-                                    </p:set>
-                                  </p:childTnLst>
-                                </p:cTn>
-                              </p:par>
-                            </p:childTnLst>
-                          </p:cTn>
-                        </p:par>
-                      </p:childTnLst>
-                    </p:cTn>
-                  </p:par>
-                  <p:par>
-                    <p:cTn id="15" fill="hold">
-                      <p:stCondLst>
-                        <p:cond delay="indefinite"/>
-                      </p:stCondLst>
-                      <p:childTnLst>
-                        <p:par>
-                          <p:cTn id="16" fill="hold">
-                            <p:stCondLst>
-                              <p:cond delay="0"/>
-                            </p:stCondLst>
-                            <p:childTnLst>
-                              <p:par>
-                                <p:cTn id="17" presetID="1" presetClass="entr" presetSubtype="0" fill="hold" grpId="0" nodeType="clickEffect">
-                                  <p:stCondLst>
-                                    <p:cond delay="0"/>
-                                  </p:stCondLst>
-                                  <p:childTnLst>
-                                    <p:set>
-                                      <p:cBhvr>
-                                        <p:cTn id="18" dur="1" fill="hold">
-                                          <p:stCondLst>
-                                            <p:cond delay="0"/>
-                                          </p:stCondLst>
-                                        </p:cTn>
-                                        <p:tgtEl>
-                                          <p:spTgt spid="3">
-                                            <p:txEl>
-                                              <p:pRg st="4" end="4"/>
-                                            </p:txEl>
-                                          </p:spTgt>
-                                        </p:tgtEl>
-                                        <p:attrNameLst>
-                                          <p:attrName>style.visibility</p:attrName>
-                                        </p:attrNameLst>
-                                      </p:cBhvr>
-                                      <p:to>
-                                        <p:strVal val="visible"/>
-                                      </p:to>
-                                    </p:set>
-                                  </p:childTnLst>
-                                </p:cTn>
-                              </p:par>
-                              <p:par>
-                                <p:cTn id="19" presetID="1" presetClass="entr" presetSubtype="0" fill="hold" grpId="0" nodeType="withEffect">
-                                  <p:stCondLst>
-                                    <p:cond delay="0"/>
-                                  </p:stCondLst>
-                                  <p:childTnLst>
-                                    <p:set>
-                                      <p:cBhvr>
-                                        <p:cTn id="20" dur="1" fill="hold">
-                                          <p:stCondLst>
-                                            <p:cond delay="0"/>
-                                          </p:stCondLst>
-                                        </p:cTn>
-                                        <p:tgtEl>
-                                          <p:spTgt spid="3">
-                                            <p:txEl>
-                                              <p:pRg st="5" end="5"/>
-                                            </p:txEl>
-                                          </p:spTgt>
-                                        </p:tgtEl>
-                                        <p:attrNameLst>
-                                          <p:attrName>style.visibility</p:attrName>
-                                        </p:attrNameLst>
-                                      </p:cBhvr>
-                                      <p:to>
-                                        <p:strVal val="visible"/>
-                                      </p:to>
-                                    </p:set>
-                                  </p:childTnLst>
-                                </p:cTn>
-                              </p:par>
-                            </p:childTnLst>
-                          </p:cTn>
-                        </p:par>
-                      </p:childTnLst>
-                    </p:cTn>
-                  </p:par>
-                  <p:par>
-                    <p:cTn id="21" fill="hold">
-                      <p:stCondLst>
-                        <p:cond delay="indefinite"/>
-                      </p:stCondLst>
-                      <p:childTnLst>
-                        <p:par>
-                          <p:cTn id="22" fill="hold">
-                            <p:stCondLst>
-                              <p:cond delay="0"/>
-                            </p:stCondLst>
-                            <p:childTnLst>
-                              <p:par>
-                                <p:cTn id="23" presetID="1" presetClass="entr" presetSubtype="0" fill="hold" grpId="0" nodeType="clickEffect">
-                                  <p:stCondLst>
-                                    <p:cond delay="0"/>
-                                  </p:stCondLst>
-                                  <p:childTnLst>
-                                    <p:set>
-                                      <p:cBhvr>
-                                        <p:cTn id="24" dur="1" fill="hold">
-                                          <p:stCondLst>
-                                            <p:cond delay="0"/>
-                                          </p:stCondLst>
-                                        </p:cTn>
-                                        <p:tgtEl>
-                                          <p:spTgt spid="3">
-                                            <p:txEl>
-                                              <p:pRg st="6" end="6"/>
-                                            </p:txEl>
-                                          </p:spTgt>
-                                        </p:tgtEl>
-                                        <p:attrNameLst>
-                                          <p:attrName>style.visibility</p:attrName>
-                                        </p:attrNameLst>
-                                      </p:cBhvr>
-                                      <p:to>
-                                        <p:strVal val="visible"/>
-                                      </p:to>
-                                    </p:set>
-                                  </p:childTnLst>
-                                </p:cTn>
-                              </p:par>
-                              <p:par>
-                                <p:cTn id="25" presetID="1" presetClass="entr" presetSubtype="0" fill="hold" grpId="0" nodeType="withEffect">
-                                  <p:stCondLst>
-                                    <p:cond delay="0"/>
-                                  </p:stCondLst>
-                                  <p:childTnLst>
-                                    <p:set>
-                                      <p:cBhvr>
-                                        <p:cTn id="26" dur="1" fill="hold">
-                                          <p:stCondLst>
-                                            <p:cond delay="0"/>
-                                          </p:stCondLst>
-                                        </p:cTn>
-                                        <p:tgtEl>
-                                          <p:spTgt spid="3">
-                                            <p:txEl>
-                                              <p:pRg st="7" end="7"/>
                                             </p:txEl>
                                           </p:spTgt>
                                         </p:tgtEl>
